--- a/Presentación proyecto final Machine learning - Emilio Muñoz.pptx
+++ b/Presentación proyecto final Machine learning - Emilio Muñoz.pptx
@@ -114,6 +114,11 @@
       </a:defRPr>
     </a:lvl9pPr>
   </p:defaultTextStyle>
+  <p:extLst>
+    <p:ext uri="{EFAFB233-063F-42B5-8137-9DF3F51BA10A}">
+      <p15:sldGuideLst xmlns:p15="http://schemas.microsoft.com/office/powerpoint/2012/main"/>
+    </p:ext>
+  </p:extLst>
 </p:presentation>
 </file>
 
@@ -199,7 +204,7 @@
           <a:p>
             <a:fld id="{7E17FAA2-39EC-4846-86E0-8EDEA36D8BC6}" type="datetimeFigureOut">
               <a:rPr lang="es-CO" smtClean="0"/>
-              <a:t>3/11/2022</a:t>
+              <a:t>4/11/2022</a:t>
             </a:fld>
             <a:endParaRPr lang="es-CO"/>
           </a:p>
@@ -784,7 +789,7 @@
           <a:p>
             <a:fld id="{4232C59D-E8AC-4A80-B4DC-A3A723599413}" type="datetimeFigureOut">
               <a:rPr lang="es-CO" smtClean="0"/>
-              <a:t>3/11/2022</a:t>
+              <a:t>4/11/2022</a:t>
             </a:fld>
             <a:endParaRPr lang="es-CO"/>
           </a:p>
@@ -984,7 +989,7 @@
           <a:p>
             <a:fld id="{4232C59D-E8AC-4A80-B4DC-A3A723599413}" type="datetimeFigureOut">
               <a:rPr lang="es-CO" smtClean="0"/>
-              <a:t>3/11/2022</a:t>
+              <a:t>4/11/2022</a:t>
             </a:fld>
             <a:endParaRPr lang="es-CO"/>
           </a:p>
@@ -1194,7 +1199,7 @@
           <a:p>
             <a:fld id="{4232C59D-E8AC-4A80-B4DC-A3A723599413}" type="datetimeFigureOut">
               <a:rPr lang="es-CO" smtClean="0"/>
-              <a:t>3/11/2022</a:t>
+              <a:t>4/11/2022</a:t>
             </a:fld>
             <a:endParaRPr lang="es-CO"/>
           </a:p>
@@ -1394,7 +1399,7 @@
           <a:p>
             <a:fld id="{4232C59D-E8AC-4A80-B4DC-A3A723599413}" type="datetimeFigureOut">
               <a:rPr lang="es-CO" smtClean="0"/>
-              <a:t>3/11/2022</a:t>
+              <a:t>4/11/2022</a:t>
             </a:fld>
             <a:endParaRPr lang="es-CO"/>
           </a:p>
@@ -1670,7 +1675,7 @@
           <a:p>
             <a:fld id="{4232C59D-E8AC-4A80-B4DC-A3A723599413}" type="datetimeFigureOut">
               <a:rPr lang="es-CO" smtClean="0"/>
-              <a:t>3/11/2022</a:t>
+              <a:t>4/11/2022</a:t>
             </a:fld>
             <a:endParaRPr lang="es-CO"/>
           </a:p>
@@ -1938,7 +1943,7 @@
           <a:p>
             <a:fld id="{4232C59D-E8AC-4A80-B4DC-A3A723599413}" type="datetimeFigureOut">
               <a:rPr lang="es-CO" smtClean="0"/>
-              <a:t>3/11/2022</a:t>
+              <a:t>4/11/2022</a:t>
             </a:fld>
             <a:endParaRPr lang="es-CO"/>
           </a:p>
@@ -2353,7 +2358,7 @@
           <a:p>
             <a:fld id="{4232C59D-E8AC-4A80-B4DC-A3A723599413}" type="datetimeFigureOut">
               <a:rPr lang="es-CO" smtClean="0"/>
-              <a:t>3/11/2022</a:t>
+              <a:t>4/11/2022</a:t>
             </a:fld>
             <a:endParaRPr lang="es-CO"/>
           </a:p>
@@ -2495,7 +2500,7 @@
           <a:p>
             <a:fld id="{4232C59D-E8AC-4A80-B4DC-A3A723599413}" type="datetimeFigureOut">
               <a:rPr lang="es-CO" smtClean="0"/>
-              <a:t>3/11/2022</a:t>
+              <a:t>4/11/2022</a:t>
             </a:fld>
             <a:endParaRPr lang="es-CO"/>
           </a:p>
@@ -2608,7 +2613,7 @@
           <a:p>
             <a:fld id="{4232C59D-E8AC-4A80-B4DC-A3A723599413}" type="datetimeFigureOut">
               <a:rPr lang="es-CO" smtClean="0"/>
-              <a:t>3/11/2022</a:t>
+              <a:t>4/11/2022</a:t>
             </a:fld>
             <a:endParaRPr lang="es-CO"/>
           </a:p>
@@ -3112,7 +3117,7 @@
           <a:p>
             <a:fld id="{4232C59D-E8AC-4A80-B4DC-A3A723599413}" type="datetimeFigureOut">
               <a:rPr lang="es-CO" smtClean="0"/>
-              <a:t>3/11/2022</a:t>
+              <a:t>4/11/2022</a:t>
             </a:fld>
             <a:endParaRPr lang="es-CO"/>
           </a:p>
@@ -3401,7 +3406,7 @@
           <a:p>
             <a:fld id="{4232C59D-E8AC-4A80-B4DC-A3A723599413}" type="datetimeFigureOut">
               <a:rPr lang="es-CO" smtClean="0"/>
-              <a:t>3/11/2022</a:t>
+              <a:t>4/11/2022</a:t>
             </a:fld>
             <a:endParaRPr lang="es-CO"/>
           </a:p>
@@ -3644,7 +3649,7 @@
           <a:p>
             <a:fld id="{4232C59D-E8AC-4A80-B4DC-A3A723599413}" type="datetimeFigureOut">
               <a:rPr lang="es-CO" smtClean="0"/>
-              <a:t>3/11/2022</a:t>
+              <a:t>4/11/2022</a:t>
             </a:fld>
             <a:endParaRPr lang="es-CO"/>
           </a:p>
@@ -4801,7 +4806,7 @@
         <p:fade/>
       </p:transition>
     </mc:Choice>
-    <mc:Fallback xmlns:ahyp="http://schemas.microsoft.com/office/drawing/2018/hyperlinkcolor" xmlns:p15="http://schemas.microsoft.com/office/powerpoint/2012/main" xmlns:com="http://schemas.openxmlformats.org/drawingml/2006/compatibility" xmlns:pvml="urn:schemas-microsoft-com:office:powerpoint" xmlns:v="urn:schemas-microsoft-com:vml" xmlns:o="urn:schemas-microsoft-com:office:office" xmlns:dgm="http://schemas.openxmlformats.org/drawingml/2006/diagram" xmlns:c="http://schemas.openxmlformats.org/drawingml/2006/chart" xmlns:mv="urn:schemas-microsoft-com:mac:vml" xmlns="">
+    <mc:Fallback xmlns="" xmlns:mv="urn:schemas-microsoft-com:mac:vml" xmlns:c="http://schemas.openxmlformats.org/drawingml/2006/chart" xmlns:dgm="http://schemas.openxmlformats.org/drawingml/2006/diagram" xmlns:o="urn:schemas-microsoft-com:office:office" xmlns:v="urn:schemas-microsoft-com:vml" xmlns:pvml="urn:schemas-microsoft-com:office:powerpoint" xmlns:com="http://schemas.openxmlformats.org/drawingml/2006/compatibility" xmlns:p15="http://schemas.microsoft.com/office/powerpoint/2012/main" xmlns:ahyp="http://schemas.microsoft.com/office/drawing/2018/hyperlinkcolor">
       <p:transition spd="slow">
         <p:fade/>
       </p:transition>
@@ -5697,7 +5702,9 @@
           <a:prstGeom prst="roundRect">
             <a:avLst/>
           </a:prstGeom>
-          <a:noFill/>
+          <a:solidFill>
+            <a:srgbClr val="F2F2F2"/>
+          </a:solidFill>
           <a:ln>
             <a:solidFill>
               <a:schemeClr val="tx1"/>
@@ -5959,7 +5966,9 @@
           <a:prstGeom prst="roundRect">
             <a:avLst/>
           </a:prstGeom>
-          <a:noFill/>
+          <a:solidFill>
+            <a:srgbClr val="F2F2F2"/>
+          </a:solidFill>
           <a:ln>
             <a:solidFill>
               <a:schemeClr val="tx1"/>
@@ -6216,7 +6225,9 @@
           <a:prstGeom prst="roundRect">
             <a:avLst/>
           </a:prstGeom>
-          <a:noFill/>
+          <a:solidFill>
+            <a:srgbClr val="F2F2F2"/>
+          </a:solidFill>
           <a:ln>
             <a:solidFill>
               <a:schemeClr val="tx1"/>
@@ -9526,7 +9537,7 @@
           <a:p>
             <a:r>
               <a:rPr lang="es-CO" b="1" dirty="0"/>
-              <a:t>Predictivos</a:t>
+              <a:t>Predictivos (valoración)</a:t>
             </a:r>
           </a:p>
         </p:txBody>
@@ -9901,53 +9912,6 @@
           </a:p>
         </p:txBody>
       </p:sp>
-      <p:pic>
-        <p:nvPicPr>
-          <p:cNvPr id="22" name="Picture 2">
-            <a:extLst>
-              <a:ext uri="{FF2B5EF4-FFF2-40B4-BE49-F238E27FC236}">
-                <a16:creationId xmlns:a16="http://schemas.microsoft.com/office/drawing/2014/main" id="{3E1848C9-3C2F-95E5-8750-F1E5C748EDEF}"/>
-              </a:ext>
-            </a:extLst>
-          </p:cNvPr>
-          <p:cNvPicPr>
-            <a:picLocks noChangeAspect="1" noChangeArrowheads="1"/>
-          </p:cNvPicPr>
-          <p:nvPr/>
-        </p:nvPicPr>
-        <p:blipFill>
-          <a:blip r:embed="rId2">
-            <a:extLst>
-              <a:ext uri="{28A0092B-C50C-407E-A947-70E740481C1C}">
-                <a14:useLocalDpi xmlns:a14="http://schemas.microsoft.com/office/drawing/2010/main" val="0"/>
-              </a:ext>
-            </a:extLst>
-          </a:blip>
-          <a:srcRect/>
-          <a:stretch>
-            <a:fillRect/>
-          </a:stretch>
-        </p:blipFill>
-        <p:spPr bwMode="auto">
-          <a:xfrm>
-            <a:off x="5368206" y="4741451"/>
-            <a:ext cx="369333" cy="369333"/>
-          </a:xfrm>
-          <a:prstGeom prst="rect">
-            <a:avLst/>
-          </a:prstGeom>
-          <a:noFill/>
-          <a:extLst>
-            <a:ext uri="{909E8E84-426E-40DD-AFC4-6F175D3DCCD1}">
-              <a14:hiddenFill xmlns:a14="http://schemas.microsoft.com/office/drawing/2010/main">
-                <a:solidFill>
-                  <a:srgbClr val="FFFFFF"/>
-                </a:solidFill>
-              </a14:hiddenFill>
-            </a:ext>
-          </a:extLst>
-        </p:spPr>
-      </p:pic>
       <p:sp>
         <p:nvSpPr>
           <p:cNvPr id="25" name="TextBox 24">
@@ -9979,15 +9943,13 @@
             <a:pPr algn="ctr"/>
             <a:r>
               <a:rPr lang="es-CO" dirty="0"/>
-              <a:t>Resultado:</a:t>
-            </a:r>
-          </a:p>
-          <a:p>
-            <a:pPr algn="ctr"/>
-            <a:r>
-              <a:rPr lang="es-CO" dirty="0"/>
-              <a:t>R cuadrado = 0.74</a:t>
-            </a:r>
+              <a:t>Optimización de </a:t>
+            </a:r>
+            <a:r>
+              <a:rPr lang="es-CO" dirty="0" err="1"/>
+              <a:t>parametros</a:t>
+            </a:r>
+            <a:endParaRPr lang="es-CO" dirty="0"/>
           </a:p>
         </p:txBody>
       </p:sp>
@@ -10342,6 +10304,36 @@
           </a:fontRef>
         </p:style>
       </p:cxnSp>
+      <p:pic>
+        <p:nvPicPr>
+          <p:cNvPr id="31" name="Picture 30">
+            <a:extLst>
+              <a:ext uri="{FF2B5EF4-FFF2-40B4-BE49-F238E27FC236}">
+                <a16:creationId xmlns:a16="http://schemas.microsoft.com/office/drawing/2014/main" id="{00F4BB16-9FC7-E73D-3AC4-AD33A11331C4}"/>
+              </a:ext>
+            </a:extLst>
+          </p:cNvPr>
+          <p:cNvPicPr>
+            <a:picLocks noChangeAspect="1"/>
+          </p:cNvPicPr>
+          <p:nvPr/>
+        </p:nvPicPr>
+        <p:blipFill>
+          <a:blip r:embed="rId3"/>
+          <a:stretch>
+            <a:fillRect/>
+          </a:stretch>
+        </p:blipFill>
+        <p:spPr>
+          <a:xfrm>
+            <a:off x="5394218" y="4811656"/>
+            <a:ext cx="316894" cy="316894"/>
+          </a:xfrm>
+          <a:prstGeom prst="rect">
+            <a:avLst/>
+          </a:prstGeom>
+        </p:spPr>
+      </p:pic>
     </p:spTree>
     <p:extLst>
       <p:ext uri="{BB962C8B-B14F-4D97-AF65-F5344CB8AC3E}">

--- a/Presentación proyecto final Machine learning - Emilio Muñoz.pptx
+++ b/Presentación proyecto final Machine learning - Emilio Muñoz.pptx
@@ -4425,13 +4425,18 @@
               <a:buNone/>
             </a:pPr>
             <a:r>
-              <a:rPr lang="es-CO" sz="2600" dirty="0">
+              <a:rPr lang="pt-BR" sz="2600" dirty="0">
                 <a:solidFill>
                   <a:schemeClr val="lt1"/>
                 </a:solidFill>
               </a:rPr>
-              <a:t>Conceptos de ciberseguridad</a:t>
-            </a:r>
+              <a:t>Aprendizaje Automático de Máquina – Proyecto final</a:t>
+            </a:r>
+            <a:endParaRPr lang="es-CO" sz="2600" dirty="0">
+              <a:solidFill>
+                <a:schemeClr val="lt1"/>
+              </a:solidFill>
+            </a:endParaRPr>
           </a:p>
         </p:txBody>
       </p:sp>
@@ -4806,7 +4811,7 @@
         <p:fade/>
       </p:transition>
     </mc:Choice>
-    <mc:Fallback xmlns="" xmlns:mv="urn:schemas-microsoft-com:mac:vml" xmlns:c="http://schemas.openxmlformats.org/drawingml/2006/chart" xmlns:dgm="http://schemas.openxmlformats.org/drawingml/2006/diagram" xmlns:o="urn:schemas-microsoft-com:office:office" xmlns:v="urn:schemas-microsoft-com:vml" xmlns:pvml="urn:schemas-microsoft-com:office:powerpoint" xmlns:com="http://schemas.openxmlformats.org/drawingml/2006/compatibility" xmlns:p15="http://schemas.microsoft.com/office/powerpoint/2012/main" xmlns:ahyp="http://schemas.microsoft.com/office/drawing/2018/hyperlinkcolor">
+    <mc:Fallback xmlns:ahyp="http://schemas.microsoft.com/office/drawing/2018/hyperlinkcolor" xmlns:p15="http://schemas.microsoft.com/office/powerpoint/2012/main" xmlns:com="http://schemas.openxmlformats.org/drawingml/2006/compatibility" xmlns:pvml="urn:schemas-microsoft-com:office:powerpoint" xmlns:v="urn:schemas-microsoft-com:vml" xmlns:o="urn:schemas-microsoft-com:office:office" xmlns:dgm="http://schemas.openxmlformats.org/drawingml/2006/diagram" xmlns:c="http://schemas.openxmlformats.org/drawingml/2006/chart" xmlns:mv="urn:schemas-microsoft-com:mac:vml" xmlns="">
       <p:transition spd="slow">
         <p:fade/>
       </p:transition>
